--- a/활동보드20171030.pptx
+++ b/활동보드20171030.pptx
@@ -211,7 +211,7 @@
           </a:lstStyle>
           <a:p>
             <a:fld id="{86FED2CD-F771-194D-A076-2E7D9BEF5C85}" type="datetimeFigureOut">
-              <a:t>10/29/17</a:t>
+              <a:t>2017. 11. 1.</a:t>
             </a:fld>
             <a:endParaRPr kumimoji="1" lang="ko-KR" altLang="en-US"/>
           </a:p>
@@ -607,7 +607,7 @@
           <a:lstStyle/>
           <a:p>
             <a:fld id="{8916B8F5-3417-5643-8F34-8685AEA64582}" type="datetimeFigureOut">
-              <a:t>10/29/17</a:t>
+              <a:t>2017. 11. 1.</a:t>
             </a:fld>
             <a:endParaRPr kumimoji="1" lang="ko-KR" altLang="en-US"/>
           </a:p>
@@ -770,7 +770,7 @@
           <a:lstStyle/>
           <a:p>
             <a:fld id="{8916B8F5-3417-5643-8F34-8685AEA64582}" type="datetimeFigureOut">
-              <a:t>10/29/17</a:t>
+              <a:t>2017. 11. 1.</a:t>
             </a:fld>
             <a:endParaRPr kumimoji="1" lang="ko-KR" altLang="en-US"/>
           </a:p>
@@ -943,7 +943,7 @@
           <a:lstStyle/>
           <a:p>
             <a:fld id="{8916B8F5-3417-5643-8F34-8685AEA64582}" type="datetimeFigureOut">
-              <a:t>10/29/17</a:t>
+              <a:t>2017. 11. 1.</a:t>
             </a:fld>
             <a:endParaRPr kumimoji="1" lang="ko-KR" altLang="en-US"/>
           </a:p>
@@ -1106,7 +1106,7 @@
           <a:lstStyle/>
           <a:p>
             <a:fld id="{8916B8F5-3417-5643-8F34-8685AEA64582}" type="datetimeFigureOut">
-              <a:t>10/29/17</a:t>
+              <a:t>2017. 11. 1.</a:t>
             </a:fld>
             <a:endParaRPr kumimoji="1" lang="ko-KR" altLang="en-US"/>
           </a:p>
@@ -1345,7 +1345,7 @@
           <a:lstStyle/>
           <a:p>
             <a:fld id="{8916B8F5-3417-5643-8F34-8685AEA64582}" type="datetimeFigureOut">
-              <a:t>10/29/17</a:t>
+              <a:t>2017. 11. 1.</a:t>
             </a:fld>
             <a:endParaRPr kumimoji="1" lang="ko-KR" altLang="en-US"/>
           </a:p>
@@ -1570,7 +1570,7 @@
           <a:lstStyle/>
           <a:p>
             <a:fld id="{8916B8F5-3417-5643-8F34-8685AEA64582}" type="datetimeFigureOut">
-              <a:t>10/29/17</a:t>
+              <a:t>2017. 11. 1.</a:t>
             </a:fld>
             <a:endParaRPr kumimoji="1" lang="ko-KR" altLang="en-US"/>
           </a:p>
@@ -1930,7 +1930,7 @@
           <a:lstStyle/>
           <a:p>
             <a:fld id="{8916B8F5-3417-5643-8F34-8685AEA64582}" type="datetimeFigureOut">
-              <a:t>10/29/17</a:t>
+              <a:t>2017. 11. 1.</a:t>
             </a:fld>
             <a:endParaRPr kumimoji="1" lang="ko-KR" altLang="en-US"/>
           </a:p>
@@ -2041,7 +2041,7 @@
           <a:lstStyle/>
           <a:p>
             <a:fld id="{8916B8F5-3417-5643-8F34-8685AEA64582}" type="datetimeFigureOut">
-              <a:t>10/29/17</a:t>
+              <a:t>2017. 11. 1.</a:t>
             </a:fld>
             <a:endParaRPr kumimoji="1" lang="ko-KR" altLang="en-US"/>
           </a:p>
@@ -2129,7 +2129,7 @@
           <a:lstStyle/>
           <a:p>
             <a:fld id="{8916B8F5-3417-5643-8F34-8685AEA64582}" type="datetimeFigureOut">
-              <a:t>10/29/17</a:t>
+              <a:t>2017. 11. 1.</a:t>
             </a:fld>
             <a:endParaRPr kumimoji="1" lang="ko-KR" altLang="en-US"/>
           </a:p>
@@ -2399,7 +2399,7 @@
           <a:lstStyle/>
           <a:p>
             <a:fld id="{8916B8F5-3417-5643-8F34-8685AEA64582}" type="datetimeFigureOut">
-              <a:t>10/29/17</a:t>
+              <a:t>2017. 11. 1.</a:t>
             </a:fld>
             <a:endParaRPr kumimoji="1" lang="ko-KR" altLang="en-US"/>
           </a:p>
@@ -2649,7 +2649,7 @@
           <a:lstStyle/>
           <a:p>
             <a:fld id="{8916B8F5-3417-5643-8F34-8685AEA64582}" type="datetimeFigureOut">
-              <a:t>10/29/17</a:t>
+              <a:t>2017. 11. 1.</a:t>
             </a:fld>
             <a:endParaRPr kumimoji="1" lang="ko-KR" altLang="en-US"/>
           </a:p>
@@ -2855,7 +2855,7 @@
           </a:lstStyle>
           <a:p>
             <a:fld id="{8916B8F5-3417-5643-8F34-8685AEA64582}" type="datetimeFigureOut">
-              <a:t>10/29/17</a:t>
+              <a:t>2017. 11. 1.</a:t>
             </a:fld>
             <a:endParaRPr kumimoji="1" lang="ko-KR" altLang="en-US"/>
           </a:p>
@@ -7780,7 +7780,7 @@
         </p:nvSpPr>
         <p:spPr>
           <a:xfrm>
-            <a:off x="7382607" y="589371"/>
+            <a:off x="9651673" y="589371"/>
             <a:ext cx="723291" cy="526047"/>
           </a:xfrm>
           <a:prstGeom prst="triangle">
@@ -7942,7 +7942,7 @@
         </p:nvGrpSpPr>
         <p:grpSpPr>
           <a:xfrm>
-            <a:off x="3014240" y="7070325"/>
+            <a:off x="3857864" y="15544370"/>
             <a:ext cx="1655999" cy="1525725"/>
             <a:chOff x="252654" y="406986"/>
             <a:chExt cx="1655999" cy="1525725"/>
@@ -9069,6 +9069,760 @@
         <p:sp>
           <p:nvSpPr>
             <p:cNvPr id="81" name="타원 80"/>
+            <p:cNvSpPr/>
+            <p:nvPr/>
+          </p:nvSpPr>
+          <p:spPr>
+            <a:xfrm>
+              <a:off x="994925" y="406986"/>
+              <a:ext cx="190934" cy="200025"/>
+            </a:xfrm>
+            <a:prstGeom prst="ellipse">
+              <a:avLst/>
+            </a:prstGeom>
+            <a:ln>
+              <a:noFill/>
+            </a:ln>
+          </p:spPr>
+          <p:style>
+            <a:lnRef idx="2">
+              <a:schemeClr val="accent1">
+                <a:shade val="50000"/>
+              </a:schemeClr>
+            </a:lnRef>
+            <a:fillRef idx="1">
+              <a:schemeClr val="accent1"/>
+            </a:fillRef>
+            <a:effectRef idx="0">
+              <a:schemeClr val="accent1"/>
+            </a:effectRef>
+            <a:fontRef idx="minor">
+              <a:schemeClr val="lt1"/>
+            </a:fontRef>
+          </p:style>
+          <p:txBody>
+            <a:bodyPr rtlCol="0" anchor="ctr"/>
+            <a:lstStyle/>
+            <a:p>
+              <a:pPr algn="ctr"/>
+              <a:endParaRPr kumimoji="1" lang="ko-KR" altLang="en-US"/>
+            </a:p>
+          </p:txBody>
+        </p:sp>
+      </p:grpSp>
+      <p:grpSp>
+        <p:nvGrpSpPr>
+          <p:cNvPr id="73" name="그룹 72"/>
+          <p:cNvGrpSpPr/>
+          <p:nvPr/>
+        </p:nvGrpSpPr>
+        <p:grpSpPr>
+          <a:xfrm>
+            <a:off x="371712" y="1652180"/>
+            <a:ext cx="1655999" cy="1525725"/>
+            <a:chOff x="252654" y="406986"/>
+            <a:chExt cx="1655999" cy="1525725"/>
+          </a:xfrm>
+        </p:grpSpPr>
+        <p:sp>
+          <p:nvSpPr>
+            <p:cNvPr id="74" name="직사각형 73"/>
+            <p:cNvSpPr/>
+            <p:nvPr/>
+          </p:nvSpPr>
+          <p:spPr>
+            <a:xfrm>
+              <a:off x="252654" y="492711"/>
+              <a:ext cx="1655999" cy="1440000"/>
+            </a:xfrm>
+            <a:prstGeom prst="rect">
+              <a:avLst/>
+            </a:prstGeom>
+            <a:solidFill>
+              <a:schemeClr val="accent4">
+                <a:lumMod val="60000"/>
+                <a:lumOff val="40000"/>
+              </a:schemeClr>
+            </a:solidFill>
+            <a:ln>
+              <a:noFill/>
+            </a:ln>
+          </p:spPr>
+          <p:style>
+            <a:lnRef idx="2">
+              <a:schemeClr val="accent1">
+                <a:shade val="50000"/>
+              </a:schemeClr>
+            </a:lnRef>
+            <a:fillRef idx="1">
+              <a:schemeClr val="accent1"/>
+            </a:fillRef>
+            <a:effectRef idx="0">
+              <a:schemeClr val="accent1"/>
+            </a:effectRef>
+            <a:fontRef idx="minor">
+              <a:schemeClr val="lt1"/>
+            </a:fontRef>
+          </p:style>
+          <p:txBody>
+            <a:bodyPr rtlCol="0" anchor="ctr"/>
+            <a:lstStyle/>
+            <a:p>
+              <a:pPr algn="ctr"/>
+              <a:r>
+                <a:rPr kumimoji="1" lang="ko-KR" altLang="en-US" sz="2000">
+                  <a:solidFill>
+                    <a:schemeClr val="tx1"/>
+                  </a:solidFill>
+                </a:rPr>
+                <a:t>이거 복사해서 사용해주세요</a:t>
+              </a:r>
+              <a:r>
+                <a:rPr kumimoji="1" lang="en-US" altLang="ko-KR" sz="2000">
+                  <a:solidFill>
+                    <a:schemeClr val="tx1"/>
+                  </a:solidFill>
+                </a:rPr>
+                <a:t>!</a:t>
+              </a:r>
+              <a:endParaRPr kumimoji="1" lang="ko-KR" altLang="en-US" sz="2000">
+                <a:solidFill>
+                  <a:schemeClr val="tx1"/>
+                </a:solidFill>
+              </a:endParaRPr>
+            </a:p>
+          </p:txBody>
+        </p:sp>
+        <p:sp>
+          <p:nvSpPr>
+            <p:cNvPr id="82" name="타원 81"/>
+            <p:cNvSpPr/>
+            <p:nvPr/>
+          </p:nvSpPr>
+          <p:spPr>
+            <a:xfrm>
+              <a:off x="994925" y="406986"/>
+              <a:ext cx="190934" cy="200025"/>
+            </a:xfrm>
+            <a:prstGeom prst="ellipse">
+              <a:avLst/>
+            </a:prstGeom>
+            <a:ln>
+              <a:noFill/>
+            </a:ln>
+          </p:spPr>
+          <p:style>
+            <a:lnRef idx="2">
+              <a:schemeClr val="accent1">
+                <a:shade val="50000"/>
+              </a:schemeClr>
+            </a:lnRef>
+            <a:fillRef idx="1">
+              <a:schemeClr val="accent1"/>
+            </a:fillRef>
+            <a:effectRef idx="0">
+              <a:schemeClr val="accent1"/>
+            </a:effectRef>
+            <a:fontRef idx="minor">
+              <a:schemeClr val="lt1"/>
+            </a:fontRef>
+          </p:style>
+          <p:txBody>
+            <a:bodyPr rtlCol="0" anchor="ctr"/>
+            <a:lstStyle/>
+            <a:p>
+              <a:pPr algn="ctr"/>
+              <a:endParaRPr kumimoji="1" lang="ko-KR" altLang="en-US"/>
+            </a:p>
+          </p:txBody>
+        </p:sp>
+      </p:grpSp>
+      <p:grpSp>
+        <p:nvGrpSpPr>
+          <p:cNvPr id="83" name="그룹 82"/>
+          <p:cNvGrpSpPr/>
+          <p:nvPr/>
+        </p:nvGrpSpPr>
+        <p:grpSpPr>
+          <a:xfrm>
+            <a:off x="524112" y="1804580"/>
+            <a:ext cx="1655999" cy="1525725"/>
+            <a:chOff x="252654" y="406986"/>
+            <a:chExt cx="1655999" cy="1525725"/>
+          </a:xfrm>
+        </p:grpSpPr>
+        <p:sp>
+          <p:nvSpPr>
+            <p:cNvPr id="84" name="직사각형 83"/>
+            <p:cNvSpPr/>
+            <p:nvPr/>
+          </p:nvSpPr>
+          <p:spPr>
+            <a:xfrm>
+              <a:off x="252654" y="492711"/>
+              <a:ext cx="1655999" cy="1440000"/>
+            </a:xfrm>
+            <a:prstGeom prst="rect">
+              <a:avLst/>
+            </a:prstGeom>
+            <a:solidFill>
+              <a:schemeClr val="accent4">
+                <a:lumMod val="60000"/>
+                <a:lumOff val="40000"/>
+              </a:schemeClr>
+            </a:solidFill>
+            <a:ln>
+              <a:noFill/>
+            </a:ln>
+          </p:spPr>
+          <p:style>
+            <a:lnRef idx="2">
+              <a:schemeClr val="accent1">
+                <a:shade val="50000"/>
+              </a:schemeClr>
+            </a:lnRef>
+            <a:fillRef idx="1">
+              <a:schemeClr val="accent1"/>
+            </a:fillRef>
+            <a:effectRef idx="0">
+              <a:schemeClr val="accent1"/>
+            </a:effectRef>
+            <a:fontRef idx="minor">
+              <a:schemeClr val="lt1"/>
+            </a:fontRef>
+          </p:style>
+          <p:txBody>
+            <a:bodyPr rtlCol="0" anchor="ctr"/>
+            <a:lstStyle/>
+            <a:p>
+              <a:pPr algn="ctr"/>
+              <a:r>
+                <a:rPr kumimoji="1" lang="ko-KR" altLang="en-US" sz="2000">
+                  <a:solidFill>
+                    <a:schemeClr val="tx1"/>
+                  </a:solidFill>
+                </a:rPr>
+                <a:t>이거 복사해서 사용해주세요</a:t>
+              </a:r>
+              <a:r>
+                <a:rPr kumimoji="1" lang="en-US" altLang="ko-KR" sz="2000">
+                  <a:solidFill>
+                    <a:schemeClr val="tx1"/>
+                  </a:solidFill>
+                </a:rPr>
+                <a:t>!</a:t>
+              </a:r>
+              <a:endParaRPr kumimoji="1" lang="ko-KR" altLang="en-US" sz="2000">
+                <a:solidFill>
+                  <a:schemeClr val="tx1"/>
+                </a:solidFill>
+              </a:endParaRPr>
+            </a:p>
+          </p:txBody>
+        </p:sp>
+        <p:sp>
+          <p:nvSpPr>
+            <p:cNvPr id="85" name="타원 84"/>
+            <p:cNvSpPr/>
+            <p:nvPr/>
+          </p:nvSpPr>
+          <p:spPr>
+            <a:xfrm>
+              <a:off x="994925" y="406986"/>
+              <a:ext cx="190934" cy="200025"/>
+            </a:xfrm>
+            <a:prstGeom prst="ellipse">
+              <a:avLst/>
+            </a:prstGeom>
+            <a:ln>
+              <a:noFill/>
+            </a:ln>
+          </p:spPr>
+          <p:style>
+            <a:lnRef idx="2">
+              <a:schemeClr val="accent1">
+                <a:shade val="50000"/>
+              </a:schemeClr>
+            </a:lnRef>
+            <a:fillRef idx="1">
+              <a:schemeClr val="accent1"/>
+            </a:fillRef>
+            <a:effectRef idx="0">
+              <a:schemeClr val="accent1"/>
+            </a:effectRef>
+            <a:fontRef idx="minor">
+              <a:schemeClr val="lt1"/>
+            </a:fontRef>
+          </p:style>
+          <p:txBody>
+            <a:bodyPr rtlCol="0" anchor="ctr"/>
+            <a:lstStyle/>
+            <a:p>
+              <a:pPr algn="ctr"/>
+              <a:endParaRPr kumimoji="1" lang="ko-KR" altLang="en-US"/>
+            </a:p>
+          </p:txBody>
+        </p:sp>
+      </p:grpSp>
+      <p:grpSp>
+        <p:nvGrpSpPr>
+          <p:cNvPr id="86" name="그룹 85"/>
+          <p:cNvGrpSpPr/>
+          <p:nvPr/>
+        </p:nvGrpSpPr>
+        <p:grpSpPr>
+          <a:xfrm>
+            <a:off x="676512" y="1956980"/>
+            <a:ext cx="1655999" cy="1525725"/>
+            <a:chOff x="252654" y="406986"/>
+            <a:chExt cx="1655999" cy="1525725"/>
+          </a:xfrm>
+        </p:grpSpPr>
+        <p:sp>
+          <p:nvSpPr>
+            <p:cNvPr id="87" name="직사각형 86"/>
+            <p:cNvSpPr/>
+            <p:nvPr/>
+          </p:nvSpPr>
+          <p:spPr>
+            <a:xfrm>
+              <a:off x="252654" y="492711"/>
+              <a:ext cx="1655999" cy="1440000"/>
+            </a:xfrm>
+            <a:prstGeom prst="rect">
+              <a:avLst/>
+            </a:prstGeom>
+            <a:solidFill>
+              <a:schemeClr val="accent4">
+                <a:lumMod val="60000"/>
+                <a:lumOff val="40000"/>
+              </a:schemeClr>
+            </a:solidFill>
+            <a:ln>
+              <a:noFill/>
+            </a:ln>
+          </p:spPr>
+          <p:style>
+            <a:lnRef idx="2">
+              <a:schemeClr val="accent1">
+                <a:shade val="50000"/>
+              </a:schemeClr>
+            </a:lnRef>
+            <a:fillRef idx="1">
+              <a:schemeClr val="accent1"/>
+            </a:fillRef>
+            <a:effectRef idx="0">
+              <a:schemeClr val="accent1"/>
+            </a:effectRef>
+            <a:fontRef idx="minor">
+              <a:schemeClr val="lt1"/>
+            </a:fontRef>
+          </p:style>
+          <p:txBody>
+            <a:bodyPr rtlCol="0" anchor="ctr"/>
+            <a:lstStyle/>
+            <a:p>
+              <a:pPr algn="ctr"/>
+              <a:r>
+                <a:rPr kumimoji="1" lang="ko-KR" altLang="en-US" sz="2000">
+                  <a:solidFill>
+                    <a:schemeClr val="tx1"/>
+                  </a:solidFill>
+                </a:rPr>
+                <a:t>이거 복사해서 사용해주세요</a:t>
+              </a:r>
+              <a:r>
+                <a:rPr kumimoji="1" lang="en-US" altLang="ko-KR" sz="2000">
+                  <a:solidFill>
+                    <a:schemeClr val="tx1"/>
+                  </a:solidFill>
+                </a:rPr>
+                <a:t>!</a:t>
+              </a:r>
+              <a:endParaRPr kumimoji="1" lang="ko-KR" altLang="en-US" sz="2000">
+                <a:solidFill>
+                  <a:schemeClr val="tx1"/>
+                </a:solidFill>
+              </a:endParaRPr>
+            </a:p>
+          </p:txBody>
+        </p:sp>
+        <p:sp>
+          <p:nvSpPr>
+            <p:cNvPr id="88" name="타원 87"/>
+            <p:cNvSpPr/>
+            <p:nvPr/>
+          </p:nvSpPr>
+          <p:spPr>
+            <a:xfrm>
+              <a:off x="994925" y="406986"/>
+              <a:ext cx="190934" cy="200025"/>
+            </a:xfrm>
+            <a:prstGeom prst="ellipse">
+              <a:avLst/>
+            </a:prstGeom>
+            <a:ln>
+              <a:noFill/>
+            </a:ln>
+          </p:spPr>
+          <p:style>
+            <a:lnRef idx="2">
+              <a:schemeClr val="accent1">
+                <a:shade val="50000"/>
+              </a:schemeClr>
+            </a:lnRef>
+            <a:fillRef idx="1">
+              <a:schemeClr val="accent1"/>
+            </a:fillRef>
+            <a:effectRef idx="0">
+              <a:schemeClr val="accent1"/>
+            </a:effectRef>
+            <a:fontRef idx="minor">
+              <a:schemeClr val="lt1"/>
+            </a:fontRef>
+          </p:style>
+          <p:txBody>
+            <a:bodyPr rtlCol="0" anchor="ctr"/>
+            <a:lstStyle/>
+            <a:p>
+              <a:pPr algn="ctr"/>
+              <a:endParaRPr kumimoji="1" lang="ko-KR" altLang="en-US"/>
+            </a:p>
+          </p:txBody>
+        </p:sp>
+      </p:grpSp>
+      <p:grpSp>
+        <p:nvGrpSpPr>
+          <p:cNvPr id="89" name="그룹 88"/>
+          <p:cNvGrpSpPr/>
+          <p:nvPr/>
+        </p:nvGrpSpPr>
+        <p:grpSpPr>
+          <a:xfrm>
+            <a:off x="524112" y="6448845"/>
+            <a:ext cx="1655999" cy="1525725"/>
+            <a:chOff x="252654" y="406986"/>
+            <a:chExt cx="1655999" cy="1525725"/>
+          </a:xfrm>
+        </p:grpSpPr>
+        <p:sp>
+          <p:nvSpPr>
+            <p:cNvPr id="90" name="직사각형 89"/>
+            <p:cNvSpPr/>
+            <p:nvPr/>
+          </p:nvSpPr>
+          <p:spPr>
+            <a:xfrm>
+              <a:off x="252654" y="492711"/>
+              <a:ext cx="1655999" cy="1440000"/>
+            </a:xfrm>
+            <a:prstGeom prst="rect">
+              <a:avLst/>
+            </a:prstGeom>
+            <a:solidFill>
+              <a:schemeClr val="accent4">
+                <a:lumMod val="60000"/>
+                <a:lumOff val="40000"/>
+              </a:schemeClr>
+            </a:solidFill>
+            <a:ln>
+              <a:noFill/>
+            </a:ln>
+          </p:spPr>
+          <p:style>
+            <a:lnRef idx="2">
+              <a:schemeClr val="accent1">
+                <a:shade val="50000"/>
+              </a:schemeClr>
+            </a:lnRef>
+            <a:fillRef idx="1">
+              <a:schemeClr val="accent1"/>
+            </a:fillRef>
+            <a:effectRef idx="0">
+              <a:schemeClr val="accent1"/>
+            </a:effectRef>
+            <a:fontRef idx="minor">
+              <a:schemeClr val="lt1"/>
+            </a:fontRef>
+          </p:style>
+          <p:txBody>
+            <a:bodyPr rtlCol="0" anchor="ctr"/>
+            <a:lstStyle/>
+            <a:p>
+              <a:pPr algn="ctr"/>
+              <a:r>
+                <a:rPr kumimoji="1" lang="ko-KR" altLang="en-US" sz="2000">
+                  <a:solidFill>
+                    <a:schemeClr val="tx1"/>
+                  </a:solidFill>
+                </a:rPr>
+                <a:t>파이어 베이스 시간변수 넘기기</a:t>
+              </a:r>
+              <a:endParaRPr kumimoji="1" lang="en-US" altLang="ko-KR" sz="2000">
+                <a:solidFill>
+                  <a:schemeClr val="tx1"/>
+                </a:solidFill>
+              </a:endParaRPr>
+            </a:p>
+            <a:p>
+              <a:pPr algn="ctr"/>
+              <a:endParaRPr kumimoji="1" lang="ko-KR" altLang="en-US" sz="2000">
+                <a:solidFill>
+                  <a:schemeClr val="tx1"/>
+                </a:solidFill>
+              </a:endParaRPr>
+            </a:p>
+          </p:txBody>
+        </p:sp>
+        <p:sp>
+          <p:nvSpPr>
+            <p:cNvPr id="91" name="타원 90"/>
+            <p:cNvSpPr/>
+            <p:nvPr/>
+          </p:nvSpPr>
+          <p:spPr>
+            <a:xfrm>
+              <a:off x="994925" y="406986"/>
+              <a:ext cx="190934" cy="200025"/>
+            </a:xfrm>
+            <a:prstGeom prst="ellipse">
+              <a:avLst/>
+            </a:prstGeom>
+            <a:ln>
+              <a:noFill/>
+            </a:ln>
+          </p:spPr>
+          <p:style>
+            <a:lnRef idx="2">
+              <a:schemeClr val="accent1">
+                <a:shade val="50000"/>
+              </a:schemeClr>
+            </a:lnRef>
+            <a:fillRef idx="1">
+              <a:schemeClr val="accent1"/>
+            </a:fillRef>
+            <a:effectRef idx="0">
+              <a:schemeClr val="accent1"/>
+            </a:effectRef>
+            <a:fontRef idx="minor">
+              <a:schemeClr val="lt1"/>
+            </a:fontRef>
+          </p:style>
+          <p:txBody>
+            <a:bodyPr rtlCol="0" anchor="ctr"/>
+            <a:lstStyle/>
+            <a:p>
+              <a:pPr algn="ctr"/>
+              <a:endParaRPr kumimoji="1" lang="ko-KR" altLang="en-US"/>
+            </a:p>
+          </p:txBody>
+        </p:sp>
+      </p:grpSp>
+      <p:grpSp>
+        <p:nvGrpSpPr>
+          <p:cNvPr id="92" name="그룹 91"/>
+          <p:cNvGrpSpPr/>
+          <p:nvPr/>
+        </p:nvGrpSpPr>
+        <p:grpSpPr>
+          <a:xfrm>
+            <a:off x="5148940" y="5442838"/>
+            <a:ext cx="1655999" cy="1525725"/>
+            <a:chOff x="252654" y="406986"/>
+            <a:chExt cx="1655999" cy="1525725"/>
+          </a:xfrm>
+        </p:grpSpPr>
+        <p:sp>
+          <p:nvSpPr>
+            <p:cNvPr id="93" name="직사각형 92"/>
+            <p:cNvSpPr/>
+            <p:nvPr/>
+          </p:nvSpPr>
+          <p:spPr>
+            <a:xfrm>
+              <a:off x="252654" y="492711"/>
+              <a:ext cx="1655999" cy="1440000"/>
+            </a:xfrm>
+            <a:prstGeom prst="rect">
+              <a:avLst/>
+            </a:prstGeom>
+            <a:solidFill>
+              <a:schemeClr val="accent4">
+                <a:lumMod val="60000"/>
+                <a:lumOff val="40000"/>
+              </a:schemeClr>
+            </a:solidFill>
+            <a:ln>
+              <a:noFill/>
+            </a:ln>
+          </p:spPr>
+          <p:style>
+            <a:lnRef idx="2">
+              <a:schemeClr val="accent1">
+                <a:shade val="50000"/>
+              </a:schemeClr>
+            </a:lnRef>
+            <a:fillRef idx="1">
+              <a:schemeClr val="accent1"/>
+            </a:fillRef>
+            <a:effectRef idx="0">
+              <a:schemeClr val="accent1"/>
+            </a:effectRef>
+            <a:fontRef idx="minor">
+              <a:schemeClr val="lt1"/>
+            </a:fontRef>
+          </p:style>
+          <p:txBody>
+            <a:bodyPr rtlCol="0" anchor="ctr"/>
+            <a:lstStyle/>
+            <a:p>
+              <a:pPr algn="ctr"/>
+              <a:r>
+                <a:rPr kumimoji="1" lang="ko-KR" altLang="en-US" sz="2000">
+                  <a:solidFill>
+                    <a:schemeClr val="tx1"/>
+                  </a:solidFill>
+                </a:rPr>
+                <a:t>파이어 베이스 적용</a:t>
+              </a:r>
+              <a:endParaRPr kumimoji="1" lang="en-US" altLang="ko-KR" sz="2000">
+                <a:solidFill>
+                  <a:schemeClr val="tx1"/>
+                </a:solidFill>
+              </a:endParaRPr>
+            </a:p>
+            <a:p>
+              <a:pPr algn="ctr"/>
+              <a:endParaRPr kumimoji="1" lang="ko-KR" altLang="en-US" sz="2000">
+                <a:solidFill>
+                  <a:schemeClr val="tx1"/>
+                </a:solidFill>
+              </a:endParaRPr>
+            </a:p>
+          </p:txBody>
+        </p:sp>
+        <p:sp>
+          <p:nvSpPr>
+            <p:cNvPr id="94" name="타원 93"/>
+            <p:cNvSpPr/>
+            <p:nvPr/>
+          </p:nvSpPr>
+          <p:spPr>
+            <a:xfrm>
+              <a:off x="994925" y="406986"/>
+              <a:ext cx="190934" cy="200025"/>
+            </a:xfrm>
+            <a:prstGeom prst="ellipse">
+              <a:avLst/>
+            </a:prstGeom>
+            <a:ln>
+              <a:noFill/>
+            </a:ln>
+          </p:spPr>
+          <p:style>
+            <a:lnRef idx="2">
+              <a:schemeClr val="accent1">
+                <a:shade val="50000"/>
+              </a:schemeClr>
+            </a:lnRef>
+            <a:fillRef idx="1">
+              <a:schemeClr val="accent1"/>
+            </a:fillRef>
+            <a:effectRef idx="0">
+              <a:schemeClr val="accent1"/>
+            </a:effectRef>
+            <a:fontRef idx="minor">
+              <a:schemeClr val="lt1"/>
+            </a:fontRef>
+          </p:style>
+          <p:txBody>
+            <a:bodyPr rtlCol="0" anchor="ctr"/>
+            <a:lstStyle/>
+            <a:p>
+              <a:pPr algn="ctr"/>
+              <a:endParaRPr kumimoji="1" lang="ko-KR" altLang="en-US"/>
+            </a:p>
+          </p:txBody>
+        </p:sp>
+      </p:grpSp>
+      <p:grpSp>
+        <p:nvGrpSpPr>
+          <p:cNvPr id="95" name="그룹 94"/>
+          <p:cNvGrpSpPr/>
+          <p:nvPr/>
+        </p:nvGrpSpPr>
+        <p:grpSpPr>
+          <a:xfrm>
+            <a:off x="4271146" y="13097732"/>
+            <a:ext cx="1655999" cy="1525725"/>
+            <a:chOff x="252654" y="406986"/>
+            <a:chExt cx="1655999" cy="1525725"/>
+          </a:xfrm>
+        </p:grpSpPr>
+        <p:sp>
+          <p:nvSpPr>
+            <p:cNvPr id="96" name="직사각형 95"/>
+            <p:cNvSpPr/>
+            <p:nvPr/>
+          </p:nvSpPr>
+          <p:spPr>
+            <a:xfrm>
+              <a:off x="252654" y="492711"/>
+              <a:ext cx="1655999" cy="1440000"/>
+            </a:xfrm>
+            <a:prstGeom prst="rect">
+              <a:avLst/>
+            </a:prstGeom>
+            <a:solidFill>
+              <a:schemeClr val="accent4">
+                <a:lumMod val="60000"/>
+                <a:lumOff val="40000"/>
+              </a:schemeClr>
+            </a:solidFill>
+            <a:ln>
+              <a:noFill/>
+            </a:ln>
+          </p:spPr>
+          <p:style>
+            <a:lnRef idx="2">
+              <a:schemeClr val="accent1">
+                <a:shade val="50000"/>
+              </a:schemeClr>
+            </a:lnRef>
+            <a:fillRef idx="1">
+              <a:schemeClr val="accent1"/>
+            </a:fillRef>
+            <a:effectRef idx="0">
+              <a:schemeClr val="accent1"/>
+            </a:effectRef>
+            <a:fontRef idx="minor">
+              <a:schemeClr val="lt1"/>
+            </a:fontRef>
+          </p:style>
+          <p:txBody>
+            <a:bodyPr rtlCol="0" anchor="ctr"/>
+            <a:lstStyle/>
+            <a:p>
+              <a:pPr algn="ctr"/>
+              <a:r>
+                <a:rPr kumimoji="1" lang="ko-KR" altLang="en-US" sz="2000">
+                  <a:solidFill>
+                    <a:schemeClr val="tx1"/>
+                  </a:solidFill>
+                </a:rPr>
+                <a:t>서버에서 데어터처리</a:t>
+              </a:r>
+              <a:endParaRPr kumimoji="1" lang="en-US" altLang="ko-KR" sz="2000">
+                <a:solidFill>
+                  <a:schemeClr val="tx1"/>
+                </a:solidFill>
+              </a:endParaRPr>
+            </a:p>
+          </p:txBody>
+        </p:sp>
+        <p:sp>
+          <p:nvSpPr>
+            <p:cNvPr id="97" name="타원 96"/>
             <p:cNvSpPr/>
             <p:nvPr/>
           </p:nvSpPr>

--- a/활동보드20171030.pptx
+++ b/활동보드20171030.pptx
@@ -211,7 +211,7 @@
           </a:lstStyle>
           <a:p>
             <a:fld id="{86FED2CD-F771-194D-A076-2E7D9BEF5C85}" type="datetimeFigureOut">
-              <a:t>2017. 11. 1.</a:t>
+              <a:t>2017. 11. 2.</a:t>
             </a:fld>
             <a:endParaRPr kumimoji="1" lang="ko-KR" altLang="en-US"/>
           </a:p>
@@ -607,7 +607,7 @@
           <a:lstStyle/>
           <a:p>
             <a:fld id="{8916B8F5-3417-5643-8F34-8685AEA64582}" type="datetimeFigureOut">
-              <a:t>2017. 11. 1.</a:t>
+              <a:t>2017. 11. 2.</a:t>
             </a:fld>
             <a:endParaRPr kumimoji="1" lang="ko-KR" altLang="en-US"/>
           </a:p>
@@ -770,7 +770,7 @@
           <a:lstStyle/>
           <a:p>
             <a:fld id="{8916B8F5-3417-5643-8F34-8685AEA64582}" type="datetimeFigureOut">
-              <a:t>2017. 11. 1.</a:t>
+              <a:t>2017. 11. 2.</a:t>
             </a:fld>
             <a:endParaRPr kumimoji="1" lang="ko-KR" altLang="en-US"/>
           </a:p>
@@ -943,7 +943,7 @@
           <a:lstStyle/>
           <a:p>
             <a:fld id="{8916B8F5-3417-5643-8F34-8685AEA64582}" type="datetimeFigureOut">
-              <a:t>2017. 11. 1.</a:t>
+              <a:t>2017. 11. 2.</a:t>
             </a:fld>
             <a:endParaRPr kumimoji="1" lang="ko-KR" altLang="en-US"/>
           </a:p>
@@ -1106,7 +1106,7 @@
           <a:lstStyle/>
           <a:p>
             <a:fld id="{8916B8F5-3417-5643-8F34-8685AEA64582}" type="datetimeFigureOut">
-              <a:t>2017. 11. 1.</a:t>
+              <a:t>2017. 11. 2.</a:t>
             </a:fld>
             <a:endParaRPr kumimoji="1" lang="ko-KR" altLang="en-US"/>
           </a:p>
@@ -1345,7 +1345,7 @@
           <a:lstStyle/>
           <a:p>
             <a:fld id="{8916B8F5-3417-5643-8F34-8685AEA64582}" type="datetimeFigureOut">
-              <a:t>2017. 11. 1.</a:t>
+              <a:t>2017. 11. 2.</a:t>
             </a:fld>
             <a:endParaRPr kumimoji="1" lang="ko-KR" altLang="en-US"/>
           </a:p>
@@ -1570,7 +1570,7 @@
           <a:lstStyle/>
           <a:p>
             <a:fld id="{8916B8F5-3417-5643-8F34-8685AEA64582}" type="datetimeFigureOut">
-              <a:t>2017. 11. 1.</a:t>
+              <a:t>2017. 11. 2.</a:t>
             </a:fld>
             <a:endParaRPr kumimoji="1" lang="ko-KR" altLang="en-US"/>
           </a:p>
@@ -1930,7 +1930,7 @@
           <a:lstStyle/>
           <a:p>
             <a:fld id="{8916B8F5-3417-5643-8F34-8685AEA64582}" type="datetimeFigureOut">
-              <a:t>2017. 11. 1.</a:t>
+              <a:t>2017. 11. 2.</a:t>
             </a:fld>
             <a:endParaRPr kumimoji="1" lang="ko-KR" altLang="en-US"/>
           </a:p>
@@ -2041,7 +2041,7 @@
           <a:lstStyle/>
           <a:p>
             <a:fld id="{8916B8F5-3417-5643-8F34-8685AEA64582}" type="datetimeFigureOut">
-              <a:t>2017. 11. 1.</a:t>
+              <a:t>2017. 11. 2.</a:t>
             </a:fld>
             <a:endParaRPr kumimoji="1" lang="ko-KR" altLang="en-US"/>
           </a:p>
@@ -2129,7 +2129,7 @@
           <a:lstStyle/>
           <a:p>
             <a:fld id="{8916B8F5-3417-5643-8F34-8685AEA64582}" type="datetimeFigureOut">
-              <a:t>2017. 11. 1.</a:t>
+              <a:t>2017. 11. 2.</a:t>
             </a:fld>
             <a:endParaRPr kumimoji="1" lang="ko-KR" altLang="en-US"/>
           </a:p>
@@ -2399,7 +2399,7 @@
           <a:lstStyle/>
           <a:p>
             <a:fld id="{8916B8F5-3417-5643-8F34-8685AEA64582}" type="datetimeFigureOut">
-              <a:t>2017. 11. 1.</a:t>
+              <a:t>2017. 11. 2.</a:t>
             </a:fld>
             <a:endParaRPr kumimoji="1" lang="ko-KR" altLang="en-US"/>
           </a:p>
@@ -2649,7 +2649,7 @@
           <a:lstStyle/>
           <a:p>
             <a:fld id="{8916B8F5-3417-5643-8F34-8685AEA64582}" type="datetimeFigureOut">
-              <a:t>2017. 11. 1.</a:t>
+              <a:t>2017. 11. 2.</a:t>
             </a:fld>
             <a:endParaRPr kumimoji="1" lang="ko-KR" altLang="en-US"/>
           </a:p>
@@ -2855,7 +2855,7 @@
           </a:lstStyle>
           <a:p>
             <a:fld id="{8916B8F5-3417-5643-8F34-8685AEA64582}" type="datetimeFigureOut">
-              <a:t>2017. 11. 1.</a:t>
+              <a:t>2017. 11. 2.</a:t>
             </a:fld>
             <a:endParaRPr kumimoji="1" lang="ko-KR" altLang="en-US"/>
           </a:p>
@@ -7780,7 +7780,7 @@
         </p:nvSpPr>
         <p:spPr>
           <a:xfrm>
-            <a:off x="9651673" y="589371"/>
+            <a:off x="11815277" y="550649"/>
             <a:ext cx="723291" cy="526047"/>
           </a:xfrm>
           <a:prstGeom prst="triangle">
@@ -7942,7 +7942,7 @@
         </p:nvGrpSpPr>
         <p:grpSpPr>
           <a:xfrm>
-            <a:off x="3857864" y="15544370"/>
+            <a:off x="2582431" y="15732403"/>
             <a:ext cx="1655999" cy="1525725"/>
             <a:chOff x="252654" y="406986"/>
             <a:chExt cx="1655999" cy="1525725"/>
@@ -8999,7 +8999,7 @@
         </p:nvGrpSpPr>
         <p:grpSpPr>
           <a:xfrm>
-            <a:off x="2182388" y="15556897"/>
+            <a:off x="4729689" y="15775265"/>
             <a:ext cx="1655999" cy="1525725"/>
             <a:chOff x="252654" y="406986"/>
             <a:chExt cx="1655999" cy="1525725"/>
